--- a/public/uploads/upload/attachment/22/CCP1 중간보고서.pptx
+++ b/public/uploads/upload/attachment/22/CCP1 중간보고서.pptx
@@ -5,7 +5,7 @@
     <p:sldMasterId id="2147483648" r:id="rId1"/>
   </p:sldMasterIdLst>
   <p:notesMasterIdLst>
-    <p:notesMasterId r:id="rId7"/>
+    <p:notesMasterId r:id="rId8"/>
   </p:notesMasterIdLst>
   <p:sldIdLst>
     <p:sldId id="256" r:id="rId2"/>
@@ -13,6 +13,7 @@
     <p:sldId id="259" r:id="rId4"/>
     <p:sldId id="261" r:id="rId5"/>
     <p:sldId id="258" r:id="rId6"/>
+    <p:sldId id="262" r:id="rId7"/>
   </p:sldIdLst>
   <p:sldSz cx="6858000" cy="9906000" type="A4"/>
   <p:notesSz cx="6858000" cy="9144000"/>
@@ -196,7 +197,7 @@
           <a:p>
             <a:fld id="{23E57251-C94A-4D79-B6BE-8A6E49924DC7}" type="datetimeFigureOut">
               <a:rPr lang="ko-KR" altLang="en-US" smtClean="0"/>
-              <a:t>2018-11-01</a:t>
+              <a:t>2018-11-29</a:t>
             </a:fld>
             <a:endParaRPr lang="ko-KR" altLang="en-US"/>
           </a:p>
@@ -645,7 +646,7 @@
           <a:p>
             <a:fld id="{FB30EDBD-1C2D-4C1E-B459-B60219FAB484}" type="datetimeFigureOut">
               <a:rPr lang="ko-KR" altLang="en-US" smtClean="0"/>
-              <a:t>2018-11-01</a:t>
+              <a:t>2018-11-29</a:t>
             </a:fld>
             <a:endParaRPr lang="ko-KR" altLang="en-US"/>
           </a:p>
@@ -810,7 +811,7 @@
           <a:p>
             <a:fld id="{FB30EDBD-1C2D-4C1E-B459-B60219FAB484}" type="datetimeFigureOut">
               <a:rPr lang="ko-KR" altLang="en-US" smtClean="0"/>
-              <a:t>2018-11-01</a:t>
+              <a:t>2018-11-29</a:t>
             </a:fld>
             <a:endParaRPr lang="ko-KR" altLang="en-US"/>
           </a:p>
@@ -985,7 +986,7 @@
           <a:p>
             <a:fld id="{FB30EDBD-1C2D-4C1E-B459-B60219FAB484}" type="datetimeFigureOut">
               <a:rPr lang="ko-KR" altLang="en-US" smtClean="0"/>
-              <a:t>2018-11-01</a:t>
+              <a:t>2018-11-29</a:t>
             </a:fld>
             <a:endParaRPr lang="ko-KR" altLang="en-US"/>
           </a:p>
@@ -1150,7 +1151,7 @@
           <a:p>
             <a:fld id="{FB30EDBD-1C2D-4C1E-B459-B60219FAB484}" type="datetimeFigureOut">
               <a:rPr lang="ko-KR" altLang="en-US" smtClean="0"/>
-              <a:t>2018-11-01</a:t>
+              <a:t>2018-11-29</a:t>
             </a:fld>
             <a:endParaRPr lang="ko-KR" altLang="en-US"/>
           </a:p>
@@ -1391,7 +1392,7 @@
           <a:p>
             <a:fld id="{FB30EDBD-1C2D-4C1E-B459-B60219FAB484}" type="datetimeFigureOut">
               <a:rPr lang="ko-KR" altLang="en-US" smtClean="0"/>
-              <a:t>2018-11-01</a:t>
+              <a:t>2018-11-29</a:t>
             </a:fld>
             <a:endParaRPr lang="ko-KR" altLang="en-US"/>
           </a:p>
@@ -1674,7 +1675,7 @@
           <a:p>
             <a:fld id="{FB30EDBD-1C2D-4C1E-B459-B60219FAB484}" type="datetimeFigureOut">
               <a:rPr lang="ko-KR" altLang="en-US" smtClean="0"/>
-              <a:t>2018-11-01</a:t>
+              <a:t>2018-11-29</a:t>
             </a:fld>
             <a:endParaRPr lang="ko-KR" altLang="en-US"/>
           </a:p>
@@ -2091,7 +2092,7 @@
           <a:p>
             <a:fld id="{FB30EDBD-1C2D-4C1E-B459-B60219FAB484}" type="datetimeFigureOut">
               <a:rPr lang="ko-KR" altLang="en-US" smtClean="0"/>
-              <a:t>2018-11-01</a:t>
+              <a:t>2018-11-29</a:t>
             </a:fld>
             <a:endParaRPr lang="ko-KR" altLang="en-US"/>
           </a:p>
@@ -2204,7 +2205,7 @@
           <a:p>
             <a:fld id="{FB30EDBD-1C2D-4C1E-B459-B60219FAB484}" type="datetimeFigureOut">
               <a:rPr lang="ko-KR" altLang="en-US" smtClean="0"/>
-              <a:t>2018-11-01</a:t>
+              <a:t>2018-11-29</a:t>
             </a:fld>
             <a:endParaRPr lang="ko-KR" altLang="en-US"/>
           </a:p>
@@ -2294,7 +2295,7 @@
           <a:p>
             <a:fld id="{FB30EDBD-1C2D-4C1E-B459-B60219FAB484}" type="datetimeFigureOut">
               <a:rPr lang="ko-KR" altLang="en-US" smtClean="0"/>
-              <a:t>2018-11-01</a:t>
+              <a:t>2018-11-29</a:t>
             </a:fld>
             <a:endParaRPr lang="ko-KR" altLang="en-US"/>
           </a:p>
@@ -2566,7 +2567,7 @@
           <a:p>
             <a:fld id="{FB30EDBD-1C2D-4C1E-B459-B60219FAB484}" type="datetimeFigureOut">
               <a:rPr lang="ko-KR" altLang="en-US" smtClean="0"/>
-              <a:t>2018-11-01</a:t>
+              <a:t>2018-11-29</a:t>
             </a:fld>
             <a:endParaRPr lang="ko-KR" altLang="en-US"/>
           </a:p>
@@ -2814,7 +2815,7 @@
           <a:p>
             <a:fld id="{FB30EDBD-1C2D-4C1E-B459-B60219FAB484}" type="datetimeFigureOut">
               <a:rPr lang="ko-KR" altLang="en-US" smtClean="0"/>
-              <a:t>2018-11-01</a:t>
+              <a:t>2018-11-29</a:t>
             </a:fld>
             <a:endParaRPr lang="ko-KR" altLang="en-US"/>
           </a:p>
@@ -3022,7 +3023,7 @@
           <a:p>
             <a:fld id="{FB30EDBD-1C2D-4C1E-B459-B60219FAB484}" type="datetimeFigureOut">
               <a:rPr lang="ko-KR" altLang="en-US" smtClean="0"/>
-              <a:t>2018-11-01</a:t>
+              <a:t>2018-11-29</a:t>
             </a:fld>
             <a:endParaRPr lang="ko-KR" altLang="en-US"/>
           </a:p>
@@ -3566,15 +3567,7 @@
             </a:r>
             <a:r>
               <a:rPr lang="ko-KR" altLang="en-US" sz="1000" dirty="0" smtClean="0"/>
-              <a:t>‘</a:t>
-            </a:r>
-            <a:r>
-              <a:rPr lang="ko-KR" altLang="en-US" sz="1000" dirty="0" smtClean="0"/>
-              <a:t>뽑아</a:t>
-            </a:r>
-            <a:r>
-              <a:rPr lang="ko-KR" altLang="en-US" sz="1000" dirty="0" smtClean="0"/>
-              <a:t>드림</a:t>
+              <a:t>‘뽑아드림</a:t>
             </a:r>
             <a:r>
               <a:rPr lang="ko-KR" altLang="en-US" sz="1000" dirty="0"/>
@@ -3638,11 +3631,7 @@
             </a:r>
             <a:r>
               <a:rPr lang="ko-KR" altLang="en-US" sz="1000" dirty="0" smtClean="0"/>
-              <a:t>를 제공한</a:t>
-            </a:r>
-            <a:r>
-              <a:rPr lang="ko-KR" altLang="en-US" sz="1000" dirty="0" smtClean="0"/>
-              <a:t>다</a:t>
+              <a:t>를 제공한다</a:t>
             </a:r>
             <a:r>
               <a:rPr lang="en-US" altLang="ko-KR" sz="1000" dirty="0"/>
@@ -6394,6 +6383,1715 @@
 </p:sld>
 </file>
 
+<file path=ppt/slides/slide6.xml><?xml version="1.0" encoding="utf-8"?>
+<p:sld xmlns:a="http://schemas.openxmlformats.org/drawingml/2006/main" xmlns:r="http://schemas.openxmlformats.org/officeDocument/2006/relationships" xmlns:p="http://schemas.openxmlformats.org/presentationml/2006/main">
+  <p:cSld>
+    <p:spTree>
+      <p:nvGrpSpPr>
+        <p:cNvPr id="1" name=""/>
+        <p:cNvGrpSpPr/>
+        <p:nvPr/>
+      </p:nvGrpSpPr>
+      <p:grpSpPr>
+        <a:xfrm>
+          <a:off x="0" y="0"/>
+          <a:ext cx="0" cy="0"/>
+          <a:chOff x="0" y="0"/>
+          <a:chExt cx="0" cy="0"/>
+        </a:xfrm>
+      </p:grpSpPr>
+      <p:pic>
+        <p:nvPicPr>
+          <p:cNvPr id="6" name="Picture 3"/>
+          <p:cNvPicPr>
+            <a:picLocks noChangeAspect="1" noChangeArrowheads="1"/>
+          </p:cNvPicPr>
+          <p:nvPr/>
+        </p:nvPicPr>
+        <p:blipFill rotWithShape="1">
+          <a:blip r:embed="rId2">
+            <a:extLst>
+              <a:ext uri="{28A0092B-C50C-407E-A947-70E740481C1C}">
+                <a14:useLocalDpi xmlns:a14="http://schemas.microsoft.com/office/drawing/2010/main" val="0"/>
+              </a:ext>
+            </a:extLst>
+          </a:blip>
+          <a:srcRect l="53893" t="29866" r="26184" b="27113"/>
+          <a:stretch/>
+        </p:blipFill>
+        <p:spPr bwMode="auto">
+          <a:xfrm>
+            <a:off x="2852936" y="3080792"/>
+            <a:ext cx="1386038" cy="1659556"/>
+          </a:xfrm>
+          <a:prstGeom prst="rect">
+            <a:avLst/>
+          </a:prstGeom>
+          <a:noFill/>
+          <a:ln>
+            <a:noFill/>
+          </a:ln>
+          <a:extLst>
+            <a:ext uri="{909E8E84-426E-40DD-AFC4-6F175D3DCCD1}">
+              <a14:hiddenFill xmlns:a14="http://schemas.microsoft.com/office/drawing/2010/main">
+                <a:solidFill>
+                  <a:schemeClr val="accent1"/>
+                </a:solidFill>
+              </a14:hiddenFill>
+            </a:ext>
+            <a:ext uri="{91240B29-F687-4F45-9708-019B960494DF}">
+              <a14:hiddenLine xmlns:a14="http://schemas.microsoft.com/office/drawing/2010/main" w="9525">
+                <a:solidFill>
+                  <a:schemeClr val="tx1"/>
+                </a:solidFill>
+                <a:miter lim="800000"/>
+                <a:headEnd/>
+                <a:tailEnd/>
+              </a14:hiddenLine>
+            </a:ext>
+          </a:extLst>
+        </p:spPr>
+      </p:pic>
+      <p:pic>
+        <p:nvPicPr>
+          <p:cNvPr id="1026" name="Picture 2"/>
+          <p:cNvPicPr>
+            <a:picLocks noChangeAspect="1" noChangeArrowheads="1"/>
+          </p:cNvPicPr>
+          <p:nvPr/>
+        </p:nvPicPr>
+        <p:blipFill>
+          <a:blip r:embed="rId2">
+            <a:extLst>
+              <a:ext uri="{28A0092B-C50C-407E-A947-70E740481C1C}">
+                <a14:useLocalDpi xmlns:a14="http://schemas.microsoft.com/office/drawing/2010/main" val="0"/>
+              </a:ext>
+            </a:extLst>
+          </a:blip>
+          <a:srcRect/>
+          <a:stretch>
+            <a:fillRect/>
+          </a:stretch>
+        </p:blipFill>
+        <p:spPr bwMode="auto">
+          <a:xfrm>
+            <a:off x="-99392" y="1856656"/>
+            <a:ext cx="6791325" cy="3857625"/>
+          </a:xfrm>
+          <a:prstGeom prst="rect">
+            <a:avLst/>
+          </a:prstGeom>
+          <a:noFill/>
+          <a:ln>
+            <a:noFill/>
+          </a:ln>
+          <a:extLst>
+            <a:ext uri="{909E8E84-426E-40DD-AFC4-6F175D3DCCD1}">
+              <a14:hiddenFill xmlns:a14="http://schemas.microsoft.com/office/drawing/2010/main">
+                <a:solidFill>
+                  <a:schemeClr val="accent1"/>
+                </a:solidFill>
+              </a14:hiddenFill>
+            </a:ext>
+            <a:ext uri="{91240B29-F687-4F45-9708-019B960494DF}">
+              <a14:hiddenLine xmlns:a14="http://schemas.microsoft.com/office/drawing/2010/main" w="9525">
+                <a:solidFill>
+                  <a:schemeClr val="tx1"/>
+                </a:solidFill>
+                <a:miter lim="800000"/>
+                <a:headEnd/>
+                <a:tailEnd/>
+              </a14:hiddenLine>
+            </a:ext>
+          </a:extLst>
+        </p:spPr>
+      </p:pic>
+      <p:pic>
+        <p:nvPicPr>
+          <p:cNvPr id="1027" name="Picture 3"/>
+          <p:cNvPicPr>
+            <a:picLocks noChangeAspect="1" noChangeArrowheads="1"/>
+          </p:cNvPicPr>
+          <p:nvPr/>
+        </p:nvPicPr>
+        <p:blipFill rotWithShape="1">
+          <a:blip r:embed="rId2">
+            <a:extLst>
+              <a:ext uri="{28A0092B-C50C-407E-A947-70E740481C1C}">
+                <a14:useLocalDpi xmlns:a14="http://schemas.microsoft.com/office/drawing/2010/main" val="0"/>
+              </a:ext>
+            </a:extLst>
+          </a:blip>
+          <a:srcRect l="53893" t="29866" r="26184" b="27113"/>
+          <a:stretch/>
+        </p:blipFill>
+        <p:spPr bwMode="auto">
+          <a:xfrm>
+            <a:off x="2132856" y="3293444"/>
+            <a:ext cx="1774093" cy="1659556"/>
+          </a:xfrm>
+          <a:prstGeom prst="rect">
+            <a:avLst/>
+          </a:prstGeom>
+          <a:noFill/>
+          <a:ln>
+            <a:noFill/>
+          </a:ln>
+          <a:extLst>
+            <a:ext uri="{909E8E84-426E-40DD-AFC4-6F175D3DCCD1}">
+              <a14:hiddenFill xmlns:a14="http://schemas.microsoft.com/office/drawing/2010/main">
+                <a:solidFill>
+                  <a:schemeClr val="accent1"/>
+                </a:solidFill>
+              </a14:hiddenFill>
+            </a:ext>
+            <a:ext uri="{91240B29-F687-4F45-9708-019B960494DF}">
+              <a14:hiddenLine xmlns:a14="http://schemas.microsoft.com/office/drawing/2010/main" w="9525">
+                <a:solidFill>
+                  <a:schemeClr val="tx1"/>
+                </a:solidFill>
+                <a:miter lim="800000"/>
+                <a:headEnd/>
+                <a:tailEnd/>
+              </a14:hiddenLine>
+            </a:ext>
+          </a:extLst>
+        </p:spPr>
+      </p:pic>
+      <p:sp>
+        <p:nvSpPr>
+          <p:cNvPr id="5" name="TextBox 4"/>
+          <p:cNvSpPr txBox="1"/>
+          <p:nvPr/>
+        </p:nvSpPr>
+        <p:spPr>
+          <a:xfrm>
+            <a:off x="692696" y="2157462"/>
+            <a:ext cx="2100255" cy="369332"/>
+          </a:xfrm>
+          <a:prstGeom prst="rect">
+            <a:avLst/>
+          </a:prstGeom>
+          <a:noFill/>
+        </p:spPr>
+        <p:txBody>
+          <a:bodyPr wrap="none" rtlCol="0">
+            <a:spAutoFit/>
+          </a:bodyPr>
+          <a:lstStyle/>
+          <a:p>
+            <a:r>
+              <a:rPr lang="ko-KR" altLang="en-US" dirty="0" smtClean="0">
+                <a:latin typeface="1훈점보맘보 B" panose="02020603020101020101" pitchFamily="18" charset="-127"/>
+                <a:ea typeface="1훈점보맘보 B" panose="02020603020101020101" pitchFamily="18" charset="-127"/>
+              </a:rPr>
+              <a:t>신청하고 찾아가기</a:t>
+            </a:r>
+            <a:endParaRPr lang="en-US" altLang="ko-KR" dirty="0" smtClean="0">
+              <a:latin typeface="1훈점보맘보 B" panose="02020603020101020101" pitchFamily="18" charset="-127"/>
+              <a:ea typeface="1훈점보맘보 B" panose="02020603020101020101" pitchFamily="18" charset="-127"/>
+            </a:endParaRPr>
+          </a:p>
+        </p:txBody>
+      </p:sp>
+      <p:sp>
+        <p:nvSpPr>
+          <p:cNvPr id="7" name="자유형 6"/>
+          <p:cNvSpPr/>
+          <p:nvPr/>
+        </p:nvSpPr>
+        <p:spPr>
+          <a:xfrm>
+            <a:off x="2058622" y="3440831"/>
+            <a:ext cx="3325921" cy="1637701"/>
+          </a:xfrm>
+          <a:custGeom>
+            <a:avLst/>
+            <a:gdLst>
+              <a:gd name="connsiteX0" fmla="*/ 0 w 3325921"/>
+              <a:gd name="connsiteY0" fmla="*/ 1002417 h 1821900"/>
+              <a:gd name="connsiteX1" fmla="*/ 19560 w 3325921"/>
+              <a:gd name="connsiteY1" fmla="*/ 1031756 h 1821900"/>
+              <a:gd name="connsiteX2" fmla="*/ 29339 w 3325921"/>
+              <a:gd name="connsiteY2" fmla="*/ 1061095 h 1821900"/>
+              <a:gd name="connsiteX3" fmla="*/ 53789 w 3325921"/>
+              <a:gd name="connsiteY3" fmla="*/ 1100214 h 1821900"/>
+              <a:gd name="connsiteX4" fmla="*/ 73348 w 3325921"/>
+              <a:gd name="connsiteY4" fmla="*/ 1144223 h 1821900"/>
+              <a:gd name="connsiteX5" fmla="*/ 88018 w 3325921"/>
+              <a:gd name="connsiteY5" fmla="*/ 1173562 h 1821900"/>
+              <a:gd name="connsiteX6" fmla="*/ 102687 w 3325921"/>
+              <a:gd name="connsiteY6" fmla="*/ 1193121 h 1821900"/>
+              <a:gd name="connsiteX7" fmla="*/ 122246 w 3325921"/>
+              <a:gd name="connsiteY7" fmla="*/ 1237130 h 1821900"/>
+              <a:gd name="connsiteX8" fmla="*/ 151585 w 3325921"/>
+              <a:gd name="connsiteY8" fmla="*/ 1286028 h 1821900"/>
+              <a:gd name="connsiteX9" fmla="*/ 176035 w 3325921"/>
+              <a:gd name="connsiteY9" fmla="*/ 1320257 h 1821900"/>
+              <a:gd name="connsiteX10" fmla="*/ 185814 w 3325921"/>
+              <a:gd name="connsiteY10" fmla="*/ 1339816 h 1821900"/>
+              <a:gd name="connsiteX11" fmla="*/ 200484 w 3325921"/>
+              <a:gd name="connsiteY11" fmla="*/ 1359376 h 1821900"/>
+              <a:gd name="connsiteX12" fmla="*/ 220043 w 3325921"/>
+              <a:gd name="connsiteY12" fmla="*/ 1403384 h 1821900"/>
+              <a:gd name="connsiteX13" fmla="*/ 234713 w 3325921"/>
+              <a:gd name="connsiteY13" fmla="*/ 1422943 h 1821900"/>
+              <a:gd name="connsiteX14" fmla="*/ 259162 w 3325921"/>
+              <a:gd name="connsiteY14" fmla="*/ 1466952 h 1821900"/>
+              <a:gd name="connsiteX15" fmla="*/ 268942 w 3325921"/>
+              <a:gd name="connsiteY15" fmla="*/ 1481622 h 1821900"/>
+              <a:gd name="connsiteX16" fmla="*/ 283611 w 3325921"/>
+              <a:gd name="connsiteY16" fmla="*/ 1506071 h 1821900"/>
+              <a:gd name="connsiteX17" fmla="*/ 298281 w 3325921"/>
+              <a:gd name="connsiteY17" fmla="*/ 1525630 h 1821900"/>
+              <a:gd name="connsiteX18" fmla="*/ 308060 w 3325921"/>
+              <a:gd name="connsiteY18" fmla="*/ 1550079 h 1821900"/>
+              <a:gd name="connsiteX19" fmla="*/ 337399 w 3325921"/>
+              <a:gd name="connsiteY19" fmla="*/ 1589198 h 1821900"/>
+              <a:gd name="connsiteX20" fmla="*/ 371628 w 3325921"/>
+              <a:gd name="connsiteY20" fmla="*/ 1638096 h 1821900"/>
+              <a:gd name="connsiteX21" fmla="*/ 420527 w 3325921"/>
+              <a:gd name="connsiteY21" fmla="*/ 1682105 h 1821900"/>
+              <a:gd name="connsiteX22" fmla="*/ 430306 w 3325921"/>
+              <a:gd name="connsiteY22" fmla="*/ 1696774 h 1821900"/>
+              <a:gd name="connsiteX23" fmla="*/ 444976 w 3325921"/>
+              <a:gd name="connsiteY23" fmla="*/ 1706554 h 1821900"/>
+              <a:gd name="connsiteX24" fmla="*/ 464535 w 3325921"/>
+              <a:gd name="connsiteY24" fmla="*/ 1721224 h 1821900"/>
+              <a:gd name="connsiteX25" fmla="*/ 518323 w 3325921"/>
+              <a:gd name="connsiteY25" fmla="*/ 1760342 h 1821900"/>
+              <a:gd name="connsiteX26" fmla="*/ 528103 w 3325921"/>
+              <a:gd name="connsiteY26" fmla="*/ 1775012 h 1821900"/>
+              <a:gd name="connsiteX27" fmla="*/ 572112 w 3325921"/>
+              <a:gd name="connsiteY27" fmla="*/ 1789681 h 1821900"/>
+              <a:gd name="connsiteX28" fmla="*/ 606341 w 3325921"/>
+              <a:gd name="connsiteY28" fmla="*/ 1799461 h 1821900"/>
+              <a:gd name="connsiteX29" fmla="*/ 635680 w 3325921"/>
+              <a:gd name="connsiteY29" fmla="*/ 1814131 h 1821900"/>
+              <a:gd name="connsiteX30" fmla="*/ 772595 w 3325921"/>
+              <a:gd name="connsiteY30" fmla="*/ 1809241 h 1821900"/>
+              <a:gd name="connsiteX31" fmla="*/ 806824 w 3325921"/>
+              <a:gd name="connsiteY31" fmla="*/ 1799461 h 1821900"/>
+              <a:gd name="connsiteX32" fmla="*/ 826383 w 3325921"/>
+              <a:gd name="connsiteY32" fmla="*/ 1789681 h 1821900"/>
+              <a:gd name="connsiteX33" fmla="*/ 841053 w 3325921"/>
+              <a:gd name="connsiteY33" fmla="*/ 1779902 h 1821900"/>
+              <a:gd name="connsiteX34" fmla="*/ 865502 w 3325921"/>
+              <a:gd name="connsiteY34" fmla="*/ 1775012 h 1821900"/>
+              <a:gd name="connsiteX35" fmla="*/ 904621 w 3325921"/>
+              <a:gd name="connsiteY35" fmla="*/ 1755453 h 1821900"/>
+              <a:gd name="connsiteX36" fmla="*/ 919290 w 3325921"/>
+              <a:gd name="connsiteY36" fmla="*/ 1740783 h 1821900"/>
+              <a:gd name="connsiteX37" fmla="*/ 958409 w 3325921"/>
+              <a:gd name="connsiteY37" fmla="*/ 1721224 h 1821900"/>
+              <a:gd name="connsiteX38" fmla="*/ 1002418 w 3325921"/>
+              <a:gd name="connsiteY38" fmla="*/ 1696774 h 1821900"/>
+              <a:gd name="connsiteX39" fmla="*/ 1051316 w 3325921"/>
+              <a:gd name="connsiteY39" fmla="*/ 1638096 h 1821900"/>
+              <a:gd name="connsiteX40" fmla="*/ 1095325 w 3325921"/>
+              <a:gd name="connsiteY40" fmla="*/ 1603868 h 1821900"/>
+              <a:gd name="connsiteX41" fmla="*/ 1124664 w 3325921"/>
+              <a:gd name="connsiteY41" fmla="*/ 1574528 h 1821900"/>
+              <a:gd name="connsiteX42" fmla="*/ 1158892 w 3325921"/>
+              <a:gd name="connsiteY42" fmla="*/ 1540300 h 1821900"/>
+              <a:gd name="connsiteX43" fmla="*/ 1193121 w 3325921"/>
+              <a:gd name="connsiteY43" fmla="*/ 1506071 h 1821900"/>
+              <a:gd name="connsiteX44" fmla="*/ 1222460 w 3325921"/>
+              <a:gd name="connsiteY44" fmla="*/ 1476732 h 1821900"/>
+              <a:gd name="connsiteX45" fmla="*/ 1246910 w 3325921"/>
+              <a:gd name="connsiteY45" fmla="*/ 1442503 h 1821900"/>
+              <a:gd name="connsiteX46" fmla="*/ 1271359 w 3325921"/>
+              <a:gd name="connsiteY46" fmla="*/ 1422943 h 1821900"/>
+              <a:gd name="connsiteX47" fmla="*/ 1281138 w 3325921"/>
+              <a:gd name="connsiteY47" fmla="*/ 1403384 h 1821900"/>
+              <a:gd name="connsiteX48" fmla="*/ 1295808 w 3325921"/>
+              <a:gd name="connsiteY48" fmla="*/ 1383825 h 1821900"/>
+              <a:gd name="connsiteX49" fmla="*/ 1315367 w 3325921"/>
+              <a:gd name="connsiteY49" fmla="*/ 1354486 h 1821900"/>
+              <a:gd name="connsiteX50" fmla="*/ 1330037 w 3325921"/>
+              <a:gd name="connsiteY50" fmla="*/ 1330037 h 1821900"/>
+              <a:gd name="connsiteX51" fmla="*/ 1374045 w 3325921"/>
+              <a:gd name="connsiteY51" fmla="*/ 1281138 h 1821900"/>
+              <a:gd name="connsiteX52" fmla="*/ 1403384 w 3325921"/>
+              <a:gd name="connsiteY52" fmla="*/ 1222460 h 1821900"/>
+              <a:gd name="connsiteX53" fmla="*/ 1447393 w 3325921"/>
+              <a:gd name="connsiteY53" fmla="*/ 1158892 h 1821900"/>
+              <a:gd name="connsiteX54" fmla="*/ 1457173 w 3325921"/>
+              <a:gd name="connsiteY54" fmla="*/ 1134443 h 1821900"/>
+              <a:gd name="connsiteX55" fmla="*/ 1481622 w 3325921"/>
+              <a:gd name="connsiteY55" fmla="*/ 1100214 h 1821900"/>
+              <a:gd name="connsiteX56" fmla="*/ 1486512 w 3325921"/>
+              <a:gd name="connsiteY56" fmla="*/ 1085545 h 1821900"/>
+              <a:gd name="connsiteX57" fmla="*/ 1506071 w 3325921"/>
+              <a:gd name="connsiteY57" fmla="*/ 1051316 h 1821900"/>
+              <a:gd name="connsiteX58" fmla="*/ 1520741 w 3325921"/>
+              <a:gd name="connsiteY58" fmla="*/ 1036646 h 1821900"/>
+              <a:gd name="connsiteX59" fmla="*/ 1530520 w 3325921"/>
+              <a:gd name="connsiteY59" fmla="*/ 1012197 h 1821900"/>
+              <a:gd name="connsiteX60" fmla="*/ 1554969 w 3325921"/>
+              <a:gd name="connsiteY60" fmla="*/ 973078 h 1821900"/>
+              <a:gd name="connsiteX61" fmla="*/ 1564749 w 3325921"/>
+              <a:gd name="connsiteY61" fmla="*/ 938849 h 1821900"/>
+              <a:gd name="connsiteX62" fmla="*/ 1589198 w 3325921"/>
+              <a:gd name="connsiteY62" fmla="*/ 899731 h 1821900"/>
+              <a:gd name="connsiteX63" fmla="*/ 1608758 w 3325921"/>
+              <a:gd name="connsiteY63" fmla="*/ 865502 h 1821900"/>
+              <a:gd name="connsiteX64" fmla="*/ 1618537 w 3325921"/>
+              <a:gd name="connsiteY64" fmla="*/ 836163 h 1821900"/>
+              <a:gd name="connsiteX65" fmla="*/ 1628317 w 3325921"/>
+              <a:gd name="connsiteY65" fmla="*/ 816603 h 1821900"/>
+              <a:gd name="connsiteX66" fmla="*/ 1633207 w 3325921"/>
+              <a:gd name="connsiteY66" fmla="*/ 801934 h 1821900"/>
+              <a:gd name="connsiteX67" fmla="*/ 1647876 w 3325921"/>
+              <a:gd name="connsiteY67" fmla="*/ 792154 h 1821900"/>
+              <a:gd name="connsiteX68" fmla="*/ 1652766 w 3325921"/>
+              <a:gd name="connsiteY68" fmla="*/ 777485 h 1821900"/>
+              <a:gd name="connsiteX69" fmla="*/ 1657656 w 3325921"/>
+              <a:gd name="connsiteY69" fmla="*/ 757925 h 1821900"/>
+              <a:gd name="connsiteX70" fmla="*/ 1682105 w 3325921"/>
+              <a:gd name="connsiteY70" fmla="*/ 718807 h 1821900"/>
+              <a:gd name="connsiteX71" fmla="*/ 1701665 w 3325921"/>
+              <a:gd name="connsiteY71" fmla="*/ 684578 h 1821900"/>
+              <a:gd name="connsiteX72" fmla="*/ 1711444 w 3325921"/>
+              <a:gd name="connsiteY72" fmla="*/ 669908 h 1821900"/>
+              <a:gd name="connsiteX73" fmla="*/ 1716334 w 3325921"/>
+              <a:gd name="connsiteY73" fmla="*/ 655239 h 1821900"/>
+              <a:gd name="connsiteX74" fmla="*/ 1731004 w 3325921"/>
+              <a:gd name="connsiteY74" fmla="*/ 635679 h 1821900"/>
+              <a:gd name="connsiteX75" fmla="*/ 1745673 w 3325921"/>
+              <a:gd name="connsiteY75" fmla="*/ 611230 h 1821900"/>
+              <a:gd name="connsiteX76" fmla="*/ 1789682 w 3325921"/>
+              <a:gd name="connsiteY76" fmla="*/ 537883 h 1821900"/>
+              <a:gd name="connsiteX77" fmla="*/ 1819021 w 3325921"/>
+              <a:gd name="connsiteY77" fmla="*/ 508543 h 1821900"/>
+              <a:gd name="connsiteX78" fmla="*/ 1828800 w 3325921"/>
+              <a:gd name="connsiteY78" fmla="*/ 484094 h 1821900"/>
+              <a:gd name="connsiteX79" fmla="*/ 1863029 w 3325921"/>
+              <a:gd name="connsiteY79" fmla="*/ 449865 h 1821900"/>
+              <a:gd name="connsiteX80" fmla="*/ 1887479 w 3325921"/>
+              <a:gd name="connsiteY80" fmla="*/ 415637 h 1821900"/>
+              <a:gd name="connsiteX81" fmla="*/ 1892368 w 3325921"/>
+              <a:gd name="connsiteY81" fmla="*/ 396077 h 1821900"/>
+              <a:gd name="connsiteX82" fmla="*/ 1907038 w 3325921"/>
+              <a:gd name="connsiteY82" fmla="*/ 361848 h 1821900"/>
+              <a:gd name="connsiteX83" fmla="*/ 1941267 w 3325921"/>
+              <a:gd name="connsiteY83" fmla="*/ 322730 h 1821900"/>
+              <a:gd name="connsiteX84" fmla="*/ 1951046 w 3325921"/>
+              <a:gd name="connsiteY84" fmla="*/ 303170 h 1821900"/>
+              <a:gd name="connsiteX85" fmla="*/ 1955936 w 3325921"/>
+              <a:gd name="connsiteY85" fmla="*/ 288501 h 1821900"/>
+              <a:gd name="connsiteX86" fmla="*/ 1970606 w 3325921"/>
+              <a:gd name="connsiteY86" fmla="*/ 268941 h 1821900"/>
+              <a:gd name="connsiteX87" fmla="*/ 2004835 w 3325921"/>
+              <a:gd name="connsiteY87" fmla="*/ 220043 h 1821900"/>
+              <a:gd name="connsiteX88" fmla="*/ 2019504 w 3325921"/>
+              <a:gd name="connsiteY88" fmla="*/ 205373 h 1821900"/>
+              <a:gd name="connsiteX89" fmla="*/ 2073292 w 3325921"/>
+              <a:gd name="connsiteY89" fmla="*/ 122246 h 1821900"/>
+              <a:gd name="connsiteX90" fmla="*/ 2087962 w 3325921"/>
+              <a:gd name="connsiteY90" fmla="*/ 102687 h 1821900"/>
+              <a:gd name="connsiteX91" fmla="*/ 2122191 w 3325921"/>
+              <a:gd name="connsiteY91" fmla="*/ 68458 h 1821900"/>
+              <a:gd name="connsiteX92" fmla="*/ 2131971 w 3325921"/>
+              <a:gd name="connsiteY92" fmla="*/ 53788 h 1821900"/>
+              <a:gd name="connsiteX93" fmla="*/ 2175979 w 3325921"/>
+              <a:gd name="connsiteY93" fmla="*/ 24449 h 1821900"/>
+              <a:gd name="connsiteX94" fmla="*/ 2190649 w 3325921"/>
+              <a:gd name="connsiteY94" fmla="*/ 9780 h 1821900"/>
+              <a:gd name="connsiteX95" fmla="*/ 2234657 w 3325921"/>
+              <a:gd name="connsiteY95" fmla="*/ 0 h 1821900"/>
+              <a:gd name="connsiteX96" fmla="*/ 2454700 w 3325921"/>
+              <a:gd name="connsiteY96" fmla="*/ 4890 h 1821900"/>
+              <a:gd name="connsiteX97" fmla="*/ 2498708 w 3325921"/>
+              <a:gd name="connsiteY97" fmla="*/ 14670 h 1821900"/>
+              <a:gd name="connsiteX98" fmla="*/ 2557387 w 3325921"/>
+              <a:gd name="connsiteY98" fmla="*/ 29339 h 1821900"/>
+              <a:gd name="connsiteX99" fmla="*/ 2630734 w 3325921"/>
+              <a:gd name="connsiteY99" fmla="*/ 73348 h 1821900"/>
+              <a:gd name="connsiteX100" fmla="*/ 2669853 w 3325921"/>
+              <a:gd name="connsiteY100" fmla="*/ 97797 h 1821900"/>
+              <a:gd name="connsiteX101" fmla="*/ 2694302 w 3325921"/>
+              <a:gd name="connsiteY101" fmla="*/ 122246 h 1821900"/>
+              <a:gd name="connsiteX102" fmla="*/ 2738311 w 3325921"/>
+              <a:gd name="connsiteY102" fmla="*/ 166255 h 1821900"/>
+              <a:gd name="connsiteX103" fmla="*/ 2757870 w 3325921"/>
+              <a:gd name="connsiteY103" fmla="*/ 190704 h 1821900"/>
+              <a:gd name="connsiteX104" fmla="*/ 2782319 w 3325921"/>
+              <a:gd name="connsiteY104" fmla="*/ 234712 h 1821900"/>
+              <a:gd name="connsiteX105" fmla="*/ 2806768 w 3325921"/>
+              <a:gd name="connsiteY105" fmla="*/ 259162 h 1821900"/>
+              <a:gd name="connsiteX106" fmla="*/ 2816548 w 3325921"/>
+              <a:gd name="connsiteY106" fmla="*/ 283611 h 1821900"/>
+              <a:gd name="connsiteX107" fmla="*/ 2821438 w 3325921"/>
+              <a:gd name="connsiteY107" fmla="*/ 303170 h 1821900"/>
+              <a:gd name="connsiteX108" fmla="*/ 2831218 w 3325921"/>
+              <a:gd name="connsiteY108" fmla="*/ 317840 h 1821900"/>
+              <a:gd name="connsiteX109" fmla="*/ 2880116 w 3325921"/>
+              <a:gd name="connsiteY109" fmla="*/ 391187 h 1821900"/>
+              <a:gd name="connsiteX110" fmla="*/ 2899675 w 3325921"/>
+              <a:gd name="connsiteY110" fmla="*/ 435196 h 1821900"/>
+              <a:gd name="connsiteX111" fmla="*/ 2909455 w 3325921"/>
+              <a:gd name="connsiteY111" fmla="*/ 449865 h 1821900"/>
+              <a:gd name="connsiteX112" fmla="*/ 2924125 w 3325921"/>
+              <a:gd name="connsiteY112" fmla="*/ 479204 h 1821900"/>
+              <a:gd name="connsiteX113" fmla="*/ 2953464 w 3325921"/>
+              <a:gd name="connsiteY113" fmla="*/ 513433 h 1821900"/>
+              <a:gd name="connsiteX114" fmla="*/ 2973023 w 3325921"/>
+              <a:gd name="connsiteY114" fmla="*/ 542772 h 1821900"/>
+              <a:gd name="connsiteX115" fmla="*/ 2992582 w 3325921"/>
+              <a:gd name="connsiteY115" fmla="*/ 567222 h 1821900"/>
+              <a:gd name="connsiteX116" fmla="*/ 3007252 w 3325921"/>
+              <a:gd name="connsiteY116" fmla="*/ 581891 h 1821900"/>
+              <a:gd name="connsiteX117" fmla="*/ 3021921 w 3325921"/>
+              <a:gd name="connsiteY117" fmla="*/ 606340 h 1821900"/>
+              <a:gd name="connsiteX118" fmla="*/ 3041481 w 3325921"/>
+              <a:gd name="connsiteY118" fmla="*/ 621010 h 1821900"/>
+              <a:gd name="connsiteX119" fmla="*/ 3095269 w 3325921"/>
+              <a:gd name="connsiteY119" fmla="*/ 665018 h 1821900"/>
+              <a:gd name="connsiteX120" fmla="*/ 3134388 w 3325921"/>
+              <a:gd name="connsiteY120" fmla="*/ 689468 h 1821900"/>
+              <a:gd name="connsiteX121" fmla="*/ 3163727 w 3325921"/>
+              <a:gd name="connsiteY121" fmla="*/ 694357 h 1821900"/>
+              <a:gd name="connsiteX122" fmla="*/ 3222405 w 3325921"/>
+              <a:gd name="connsiteY122" fmla="*/ 689468 h 1821900"/>
+              <a:gd name="connsiteX123" fmla="*/ 3261523 w 3325921"/>
+              <a:gd name="connsiteY123" fmla="*/ 669908 h 1821900"/>
+              <a:gd name="connsiteX124" fmla="*/ 3276193 w 3325921"/>
+              <a:gd name="connsiteY124" fmla="*/ 665018 h 1821900"/>
+              <a:gd name="connsiteX125" fmla="*/ 3295752 w 3325921"/>
+              <a:gd name="connsiteY125" fmla="*/ 635679 h 1821900"/>
+              <a:gd name="connsiteX126" fmla="*/ 3315312 w 3325921"/>
+              <a:gd name="connsiteY126" fmla="*/ 601450 h 1821900"/>
+              <a:gd name="connsiteX127" fmla="*/ 3325091 w 3325921"/>
+              <a:gd name="connsiteY127" fmla="*/ 400967 h 1821900"/>
+            </a:gdLst>
+            <a:ahLst/>
+            <a:cxnLst>
+              <a:cxn ang="0">
+                <a:pos x="connsiteX0" y="connsiteY0"/>
+              </a:cxn>
+              <a:cxn ang="0">
+                <a:pos x="connsiteX1" y="connsiteY1"/>
+              </a:cxn>
+              <a:cxn ang="0">
+                <a:pos x="connsiteX2" y="connsiteY2"/>
+              </a:cxn>
+              <a:cxn ang="0">
+                <a:pos x="connsiteX3" y="connsiteY3"/>
+              </a:cxn>
+              <a:cxn ang="0">
+                <a:pos x="connsiteX4" y="connsiteY4"/>
+              </a:cxn>
+              <a:cxn ang="0">
+                <a:pos x="connsiteX5" y="connsiteY5"/>
+              </a:cxn>
+              <a:cxn ang="0">
+                <a:pos x="connsiteX6" y="connsiteY6"/>
+              </a:cxn>
+              <a:cxn ang="0">
+                <a:pos x="connsiteX7" y="connsiteY7"/>
+              </a:cxn>
+              <a:cxn ang="0">
+                <a:pos x="connsiteX8" y="connsiteY8"/>
+              </a:cxn>
+              <a:cxn ang="0">
+                <a:pos x="connsiteX9" y="connsiteY9"/>
+              </a:cxn>
+              <a:cxn ang="0">
+                <a:pos x="connsiteX10" y="connsiteY10"/>
+              </a:cxn>
+              <a:cxn ang="0">
+                <a:pos x="connsiteX11" y="connsiteY11"/>
+              </a:cxn>
+              <a:cxn ang="0">
+                <a:pos x="connsiteX12" y="connsiteY12"/>
+              </a:cxn>
+              <a:cxn ang="0">
+                <a:pos x="connsiteX13" y="connsiteY13"/>
+              </a:cxn>
+              <a:cxn ang="0">
+                <a:pos x="connsiteX14" y="connsiteY14"/>
+              </a:cxn>
+              <a:cxn ang="0">
+                <a:pos x="connsiteX15" y="connsiteY15"/>
+              </a:cxn>
+              <a:cxn ang="0">
+                <a:pos x="connsiteX16" y="connsiteY16"/>
+              </a:cxn>
+              <a:cxn ang="0">
+                <a:pos x="connsiteX17" y="connsiteY17"/>
+              </a:cxn>
+              <a:cxn ang="0">
+                <a:pos x="connsiteX18" y="connsiteY18"/>
+              </a:cxn>
+              <a:cxn ang="0">
+                <a:pos x="connsiteX19" y="connsiteY19"/>
+              </a:cxn>
+              <a:cxn ang="0">
+                <a:pos x="connsiteX20" y="connsiteY20"/>
+              </a:cxn>
+              <a:cxn ang="0">
+                <a:pos x="connsiteX21" y="connsiteY21"/>
+              </a:cxn>
+              <a:cxn ang="0">
+                <a:pos x="connsiteX22" y="connsiteY22"/>
+              </a:cxn>
+              <a:cxn ang="0">
+                <a:pos x="connsiteX23" y="connsiteY23"/>
+              </a:cxn>
+              <a:cxn ang="0">
+                <a:pos x="connsiteX24" y="connsiteY24"/>
+              </a:cxn>
+              <a:cxn ang="0">
+                <a:pos x="connsiteX25" y="connsiteY25"/>
+              </a:cxn>
+              <a:cxn ang="0">
+                <a:pos x="connsiteX26" y="connsiteY26"/>
+              </a:cxn>
+              <a:cxn ang="0">
+                <a:pos x="connsiteX27" y="connsiteY27"/>
+              </a:cxn>
+              <a:cxn ang="0">
+                <a:pos x="connsiteX28" y="connsiteY28"/>
+              </a:cxn>
+              <a:cxn ang="0">
+                <a:pos x="connsiteX29" y="connsiteY29"/>
+              </a:cxn>
+              <a:cxn ang="0">
+                <a:pos x="connsiteX30" y="connsiteY30"/>
+              </a:cxn>
+              <a:cxn ang="0">
+                <a:pos x="connsiteX31" y="connsiteY31"/>
+              </a:cxn>
+              <a:cxn ang="0">
+                <a:pos x="connsiteX32" y="connsiteY32"/>
+              </a:cxn>
+              <a:cxn ang="0">
+                <a:pos x="connsiteX33" y="connsiteY33"/>
+              </a:cxn>
+              <a:cxn ang="0">
+                <a:pos x="connsiteX34" y="connsiteY34"/>
+              </a:cxn>
+              <a:cxn ang="0">
+                <a:pos x="connsiteX35" y="connsiteY35"/>
+              </a:cxn>
+              <a:cxn ang="0">
+                <a:pos x="connsiteX36" y="connsiteY36"/>
+              </a:cxn>
+              <a:cxn ang="0">
+                <a:pos x="connsiteX37" y="connsiteY37"/>
+              </a:cxn>
+              <a:cxn ang="0">
+                <a:pos x="connsiteX38" y="connsiteY38"/>
+              </a:cxn>
+              <a:cxn ang="0">
+                <a:pos x="connsiteX39" y="connsiteY39"/>
+              </a:cxn>
+              <a:cxn ang="0">
+                <a:pos x="connsiteX40" y="connsiteY40"/>
+              </a:cxn>
+              <a:cxn ang="0">
+                <a:pos x="connsiteX41" y="connsiteY41"/>
+              </a:cxn>
+              <a:cxn ang="0">
+                <a:pos x="connsiteX42" y="connsiteY42"/>
+              </a:cxn>
+              <a:cxn ang="0">
+                <a:pos x="connsiteX43" y="connsiteY43"/>
+              </a:cxn>
+              <a:cxn ang="0">
+                <a:pos x="connsiteX44" y="connsiteY44"/>
+              </a:cxn>
+              <a:cxn ang="0">
+                <a:pos x="connsiteX45" y="connsiteY45"/>
+              </a:cxn>
+              <a:cxn ang="0">
+                <a:pos x="connsiteX46" y="connsiteY46"/>
+              </a:cxn>
+              <a:cxn ang="0">
+                <a:pos x="connsiteX47" y="connsiteY47"/>
+              </a:cxn>
+              <a:cxn ang="0">
+                <a:pos x="connsiteX48" y="connsiteY48"/>
+              </a:cxn>
+              <a:cxn ang="0">
+                <a:pos x="connsiteX49" y="connsiteY49"/>
+              </a:cxn>
+              <a:cxn ang="0">
+                <a:pos x="connsiteX50" y="connsiteY50"/>
+              </a:cxn>
+              <a:cxn ang="0">
+                <a:pos x="connsiteX51" y="connsiteY51"/>
+              </a:cxn>
+              <a:cxn ang="0">
+                <a:pos x="connsiteX52" y="connsiteY52"/>
+              </a:cxn>
+              <a:cxn ang="0">
+                <a:pos x="connsiteX53" y="connsiteY53"/>
+              </a:cxn>
+              <a:cxn ang="0">
+                <a:pos x="connsiteX54" y="connsiteY54"/>
+              </a:cxn>
+              <a:cxn ang="0">
+                <a:pos x="connsiteX55" y="connsiteY55"/>
+              </a:cxn>
+              <a:cxn ang="0">
+                <a:pos x="connsiteX56" y="connsiteY56"/>
+              </a:cxn>
+              <a:cxn ang="0">
+                <a:pos x="connsiteX57" y="connsiteY57"/>
+              </a:cxn>
+              <a:cxn ang="0">
+                <a:pos x="connsiteX58" y="connsiteY58"/>
+              </a:cxn>
+              <a:cxn ang="0">
+                <a:pos x="connsiteX59" y="connsiteY59"/>
+              </a:cxn>
+              <a:cxn ang="0">
+                <a:pos x="connsiteX60" y="connsiteY60"/>
+              </a:cxn>
+              <a:cxn ang="0">
+                <a:pos x="connsiteX61" y="connsiteY61"/>
+              </a:cxn>
+              <a:cxn ang="0">
+                <a:pos x="connsiteX62" y="connsiteY62"/>
+              </a:cxn>
+              <a:cxn ang="0">
+                <a:pos x="connsiteX63" y="connsiteY63"/>
+              </a:cxn>
+              <a:cxn ang="0">
+                <a:pos x="connsiteX64" y="connsiteY64"/>
+              </a:cxn>
+              <a:cxn ang="0">
+                <a:pos x="connsiteX65" y="connsiteY65"/>
+              </a:cxn>
+              <a:cxn ang="0">
+                <a:pos x="connsiteX66" y="connsiteY66"/>
+              </a:cxn>
+              <a:cxn ang="0">
+                <a:pos x="connsiteX67" y="connsiteY67"/>
+              </a:cxn>
+              <a:cxn ang="0">
+                <a:pos x="connsiteX68" y="connsiteY68"/>
+              </a:cxn>
+              <a:cxn ang="0">
+                <a:pos x="connsiteX69" y="connsiteY69"/>
+              </a:cxn>
+              <a:cxn ang="0">
+                <a:pos x="connsiteX70" y="connsiteY70"/>
+              </a:cxn>
+              <a:cxn ang="0">
+                <a:pos x="connsiteX71" y="connsiteY71"/>
+              </a:cxn>
+              <a:cxn ang="0">
+                <a:pos x="connsiteX72" y="connsiteY72"/>
+              </a:cxn>
+              <a:cxn ang="0">
+                <a:pos x="connsiteX73" y="connsiteY73"/>
+              </a:cxn>
+              <a:cxn ang="0">
+                <a:pos x="connsiteX74" y="connsiteY74"/>
+              </a:cxn>
+              <a:cxn ang="0">
+                <a:pos x="connsiteX75" y="connsiteY75"/>
+              </a:cxn>
+              <a:cxn ang="0">
+                <a:pos x="connsiteX76" y="connsiteY76"/>
+              </a:cxn>
+              <a:cxn ang="0">
+                <a:pos x="connsiteX77" y="connsiteY77"/>
+              </a:cxn>
+              <a:cxn ang="0">
+                <a:pos x="connsiteX78" y="connsiteY78"/>
+              </a:cxn>
+              <a:cxn ang="0">
+                <a:pos x="connsiteX79" y="connsiteY79"/>
+              </a:cxn>
+              <a:cxn ang="0">
+                <a:pos x="connsiteX80" y="connsiteY80"/>
+              </a:cxn>
+              <a:cxn ang="0">
+                <a:pos x="connsiteX81" y="connsiteY81"/>
+              </a:cxn>
+              <a:cxn ang="0">
+                <a:pos x="connsiteX82" y="connsiteY82"/>
+              </a:cxn>
+              <a:cxn ang="0">
+                <a:pos x="connsiteX83" y="connsiteY83"/>
+              </a:cxn>
+              <a:cxn ang="0">
+                <a:pos x="connsiteX84" y="connsiteY84"/>
+              </a:cxn>
+              <a:cxn ang="0">
+                <a:pos x="connsiteX85" y="connsiteY85"/>
+              </a:cxn>
+              <a:cxn ang="0">
+                <a:pos x="connsiteX86" y="connsiteY86"/>
+              </a:cxn>
+              <a:cxn ang="0">
+                <a:pos x="connsiteX87" y="connsiteY87"/>
+              </a:cxn>
+              <a:cxn ang="0">
+                <a:pos x="connsiteX88" y="connsiteY88"/>
+              </a:cxn>
+              <a:cxn ang="0">
+                <a:pos x="connsiteX89" y="connsiteY89"/>
+              </a:cxn>
+              <a:cxn ang="0">
+                <a:pos x="connsiteX90" y="connsiteY90"/>
+              </a:cxn>
+              <a:cxn ang="0">
+                <a:pos x="connsiteX91" y="connsiteY91"/>
+              </a:cxn>
+              <a:cxn ang="0">
+                <a:pos x="connsiteX92" y="connsiteY92"/>
+              </a:cxn>
+              <a:cxn ang="0">
+                <a:pos x="connsiteX93" y="connsiteY93"/>
+              </a:cxn>
+              <a:cxn ang="0">
+                <a:pos x="connsiteX94" y="connsiteY94"/>
+              </a:cxn>
+              <a:cxn ang="0">
+                <a:pos x="connsiteX95" y="connsiteY95"/>
+              </a:cxn>
+              <a:cxn ang="0">
+                <a:pos x="connsiteX96" y="connsiteY96"/>
+              </a:cxn>
+              <a:cxn ang="0">
+                <a:pos x="connsiteX97" y="connsiteY97"/>
+              </a:cxn>
+              <a:cxn ang="0">
+                <a:pos x="connsiteX98" y="connsiteY98"/>
+              </a:cxn>
+              <a:cxn ang="0">
+                <a:pos x="connsiteX99" y="connsiteY99"/>
+              </a:cxn>
+              <a:cxn ang="0">
+                <a:pos x="connsiteX100" y="connsiteY100"/>
+              </a:cxn>
+              <a:cxn ang="0">
+                <a:pos x="connsiteX101" y="connsiteY101"/>
+              </a:cxn>
+              <a:cxn ang="0">
+                <a:pos x="connsiteX102" y="connsiteY102"/>
+              </a:cxn>
+              <a:cxn ang="0">
+                <a:pos x="connsiteX103" y="connsiteY103"/>
+              </a:cxn>
+              <a:cxn ang="0">
+                <a:pos x="connsiteX104" y="connsiteY104"/>
+              </a:cxn>
+              <a:cxn ang="0">
+                <a:pos x="connsiteX105" y="connsiteY105"/>
+              </a:cxn>
+              <a:cxn ang="0">
+                <a:pos x="connsiteX106" y="connsiteY106"/>
+              </a:cxn>
+              <a:cxn ang="0">
+                <a:pos x="connsiteX107" y="connsiteY107"/>
+              </a:cxn>
+              <a:cxn ang="0">
+                <a:pos x="connsiteX108" y="connsiteY108"/>
+              </a:cxn>
+              <a:cxn ang="0">
+                <a:pos x="connsiteX109" y="connsiteY109"/>
+              </a:cxn>
+              <a:cxn ang="0">
+                <a:pos x="connsiteX110" y="connsiteY110"/>
+              </a:cxn>
+              <a:cxn ang="0">
+                <a:pos x="connsiteX111" y="connsiteY111"/>
+              </a:cxn>
+              <a:cxn ang="0">
+                <a:pos x="connsiteX112" y="connsiteY112"/>
+              </a:cxn>
+              <a:cxn ang="0">
+                <a:pos x="connsiteX113" y="connsiteY113"/>
+              </a:cxn>
+              <a:cxn ang="0">
+                <a:pos x="connsiteX114" y="connsiteY114"/>
+              </a:cxn>
+              <a:cxn ang="0">
+                <a:pos x="connsiteX115" y="connsiteY115"/>
+              </a:cxn>
+              <a:cxn ang="0">
+                <a:pos x="connsiteX116" y="connsiteY116"/>
+              </a:cxn>
+              <a:cxn ang="0">
+                <a:pos x="connsiteX117" y="connsiteY117"/>
+              </a:cxn>
+              <a:cxn ang="0">
+                <a:pos x="connsiteX118" y="connsiteY118"/>
+              </a:cxn>
+              <a:cxn ang="0">
+                <a:pos x="connsiteX119" y="connsiteY119"/>
+              </a:cxn>
+              <a:cxn ang="0">
+                <a:pos x="connsiteX120" y="connsiteY120"/>
+              </a:cxn>
+              <a:cxn ang="0">
+                <a:pos x="connsiteX121" y="connsiteY121"/>
+              </a:cxn>
+              <a:cxn ang="0">
+                <a:pos x="connsiteX122" y="connsiteY122"/>
+              </a:cxn>
+              <a:cxn ang="0">
+                <a:pos x="connsiteX123" y="connsiteY123"/>
+              </a:cxn>
+              <a:cxn ang="0">
+                <a:pos x="connsiteX124" y="connsiteY124"/>
+              </a:cxn>
+              <a:cxn ang="0">
+                <a:pos x="connsiteX125" y="connsiteY125"/>
+              </a:cxn>
+              <a:cxn ang="0">
+                <a:pos x="connsiteX126" y="connsiteY126"/>
+              </a:cxn>
+              <a:cxn ang="0">
+                <a:pos x="connsiteX127" y="connsiteY127"/>
+              </a:cxn>
+            </a:cxnLst>
+            <a:rect l="l" t="t" r="r" b="b"/>
+            <a:pathLst>
+              <a:path w="3325921" h="1821900">
+                <a:moveTo>
+                  <a:pt x="0" y="1002417"/>
+                </a:moveTo>
+                <a:cubicBezTo>
+                  <a:pt x="6520" y="1012197"/>
+                  <a:pt x="14304" y="1021243"/>
+                  <a:pt x="19560" y="1031756"/>
+                </a:cubicBezTo>
+                <a:cubicBezTo>
+                  <a:pt x="24170" y="1040976"/>
+                  <a:pt x="25511" y="1051524"/>
+                  <a:pt x="29339" y="1061095"/>
+                </a:cubicBezTo>
+                <a:cubicBezTo>
+                  <a:pt x="37010" y="1080273"/>
+                  <a:pt x="41178" y="1083400"/>
+                  <a:pt x="53789" y="1100214"/>
+                </a:cubicBezTo>
+                <a:cubicBezTo>
+                  <a:pt x="72220" y="1155511"/>
+                  <a:pt x="53977" y="1109355"/>
+                  <a:pt x="73348" y="1144223"/>
+                </a:cubicBezTo>
+                <a:cubicBezTo>
+                  <a:pt x="78658" y="1153781"/>
+                  <a:pt x="82392" y="1164186"/>
+                  <a:pt x="88018" y="1173562"/>
+                </a:cubicBezTo>
+                <a:cubicBezTo>
+                  <a:pt x="92211" y="1180550"/>
+                  <a:pt x="98368" y="1186210"/>
+                  <a:pt x="102687" y="1193121"/>
+                </a:cubicBezTo>
+                <a:cubicBezTo>
+                  <a:pt x="120034" y="1220876"/>
+                  <a:pt x="105375" y="1205497"/>
+                  <a:pt x="122246" y="1237130"/>
+                </a:cubicBezTo>
+                <a:cubicBezTo>
+                  <a:pt x="131191" y="1253902"/>
+                  <a:pt x="140180" y="1270822"/>
+                  <a:pt x="151585" y="1286028"/>
+                </a:cubicBezTo>
+                <a:cubicBezTo>
+                  <a:pt x="157884" y="1294426"/>
+                  <a:pt x="170314" y="1310245"/>
+                  <a:pt x="176035" y="1320257"/>
+                </a:cubicBezTo>
+                <a:cubicBezTo>
+                  <a:pt x="179651" y="1326586"/>
+                  <a:pt x="181951" y="1333635"/>
+                  <a:pt x="185814" y="1339816"/>
+                </a:cubicBezTo>
+                <a:cubicBezTo>
+                  <a:pt x="190133" y="1346727"/>
+                  <a:pt x="196164" y="1352465"/>
+                  <a:pt x="200484" y="1359376"/>
+                </a:cubicBezTo>
+                <a:cubicBezTo>
+                  <a:pt x="223082" y="1395531"/>
+                  <a:pt x="196849" y="1361636"/>
+                  <a:pt x="220043" y="1403384"/>
+                </a:cubicBezTo>
+                <a:cubicBezTo>
+                  <a:pt x="224001" y="1410508"/>
+                  <a:pt x="230192" y="1416162"/>
+                  <a:pt x="234713" y="1422943"/>
+                </a:cubicBezTo>
+                <a:cubicBezTo>
+                  <a:pt x="259138" y="1459580"/>
+                  <a:pt x="240525" y="1434339"/>
+                  <a:pt x="259162" y="1466952"/>
+                </a:cubicBezTo>
+                <a:cubicBezTo>
+                  <a:pt x="262078" y="1472055"/>
+                  <a:pt x="265827" y="1476638"/>
+                  <a:pt x="268942" y="1481622"/>
+                </a:cubicBezTo>
+                <a:cubicBezTo>
+                  <a:pt x="273979" y="1489681"/>
+                  <a:pt x="278339" y="1498163"/>
+                  <a:pt x="283611" y="1506071"/>
+                </a:cubicBezTo>
+                <a:cubicBezTo>
+                  <a:pt x="288132" y="1512852"/>
+                  <a:pt x="294323" y="1518506"/>
+                  <a:pt x="298281" y="1525630"/>
+                </a:cubicBezTo>
+                <a:cubicBezTo>
+                  <a:pt x="302544" y="1533303"/>
+                  <a:pt x="303460" y="1542604"/>
+                  <a:pt x="308060" y="1550079"/>
+                </a:cubicBezTo>
+                <a:cubicBezTo>
+                  <a:pt x="316602" y="1563961"/>
+                  <a:pt x="328052" y="1575845"/>
+                  <a:pt x="337399" y="1589198"/>
+                </a:cubicBezTo>
+                <a:cubicBezTo>
+                  <a:pt x="348809" y="1605497"/>
+                  <a:pt x="356092" y="1625667"/>
+                  <a:pt x="371628" y="1638096"/>
+                </a:cubicBezTo>
+                <a:cubicBezTo>
+                  <a:pt x="393064" y="1655245"/>
+                  <a:pt x="401963" y="1660890"/>
+                  <a:pt x="420527" y="1682105"/>
+                </a:cubicBezTo>
+                <a:cubicBezTo>
+                  <a:pt x="424397" y="1686528"/>
+                  <a:pt x="426151" y="1692619"/>
+                  <a:pt x="430306" y="1696774"/>
+                </a:cubicBezTo>
+                <a:cubicBezTo>
+                  <a:pt x="434462" y="1700930"/>
+                  <a:pt x="440194" y="1703138"/>
+                  <a:pt x="444976" y="1706554"/>
+                </a:cubicBezTo>
+                <a:cubicBezTo>
+                  <a:pt x="451608" y="1711291"/>
+                  <a:pt x="458477" y="1715772"/>
+                  <a:pt x="464535" y="1721224"/>
+                </a:cubicBezTo>
+                <a:cubicBezTo>
+                  <a:pt x="507188" y="1759612"/>
+                  <a:pt x="476522" y="1743623"/>
+                  <a:pt x="518323" y="1760342"/>
+                </a:cubicBezTo>
+                <a:cubicBezTo>
+                  <a:pt x="521583" y="1765232"/>
+                  <a:pt x="522944" y="1772198"/>
+                  <a:pt x="528103" y="1775012"/>
+                </a:cubicBezTo>
+                <a:cubicBezTo>
+                  <a:pt x="541678" y="1782416"/>
+                  <a:pt x="557442" y="1784791"/>
+                  <a:pt x="572112" y="1789681"/>
+                </a:cubicBezTo>
+                <a:cubicBezTo>
+                  <a:pt x="593164" y="1796698"/>
+                  <a:pt x="581771" y="1793319"/>
+                  <a:pt x="606341" y="1799461"/>
+                </a:cubicBezTo>
+                <a:cubicBezTo>
+                  <a:pt x="616121" y="1804351"/>
+                  <a:pt x="625688" y="1809690"/>
+                  <a:pt x="635680" y="1814131"/>
+                </a:cubicBezTo>
+                <a:cubicBezTo>
+                  <a:pt x="677802" y="1832852"/>
+                  <a:pt x="735064" y="1812243"/>
+                  <a:pt x="772595" y="1809241"/>
+                </a:cubicBezTo>
+                <a:cubicBezTo>
+                  <a:pt x="784005" y="1805981"/>
+                  <a:pt x="795672" y="1803516"/>
+                  <a:pt x="806824" y="1799461"/>
+                </a:cubicBezTo>
+                <a:cubicBezTo>
+                  <a:pt x="813674" y="1796970"/>
+                  <a:pt x="820054" y="1793297"/>
+                  <a:pt x="826383" y="1789681"/>
+                </a:cubicBezTo>
+                <a:cubicBezTo>
+                  <a:pt x="831486" y="1786765"/>
+                  <a:pt x="835550" y="1781965"/>
+                  <a:pt x="841053" y="1779902"/>
+                </a:cubicBezTo>
+                <a:cubicBezTo>
+                  <a:pt x="848835" y="1776984"/>
+                  <a:pt x="857352" y="1776642"/>
+                  <a:pt x="865502" y="1775012"/>
+                </a:cubicBezTo>
+                <a:cubicBezTo>
+                  <a:pt x="878542" y="1768492"/>
+                  <a:pt x="894313" y="1765762"/>
+                  <a:pt x="904621" y="1755453"/>
+                </a:cubicBezTo>
+                <a:cubicBezTo>
+                  <a:pt x="909511" y="1750563"/>
+                  <a:pt x="913456" y="1744496"/>
+                  <a:pt x="919290" y="1740783"/>
+                </a:cubicBezTo>
+                <a:cubicBezTo>
+                  <a:pt x="931589" y="1732956"/>
+                  <a:pt x="945369" y="1727744"/>
+                  <a:pt x="958409" y="1721224"/>
+                </a:cubicBezTo>
+                <a:cubicBezTo>
+                  <a:pt x="986462" y="1707198"/>
+                  <a:pt x="971727" y="1715189"/>
+                  <a:pt x="1002418" y="1696774"/>
+                </a:cubicBezTo>
+                <a:cubicBezTo>
+                  <a:pt x="1018717" y="1677215"/>
+                  <a:pt x="1030131" y="1652219"/>
+                  <a:pt x="1051316" y="1638096"/>
+                </a:cubicBezTo>
+                <a:cubicBezTo>
+                  <a:pt x="1086409" y="1614701"/>
+                  <a:pt x="1072344" y="1626848"/>
+                  <a:pt x="1095325" y="1603868"/>
+                </a:cubicBezTo>
+                <a:cubicBezTo>
+                  <a:pt x="1121401" y="1551711"/>
+                  <a:pt x="1085547" y="1613645"/>
+                  <a:pt x="1124664" y="1574528"/>
+                </a:cubicBezTo>
+                <a:cubicBezTo>
+                  <a:pt x="1167642" y="1531550"/>
+                  <a:pt x="1111996" y="1563747"/>
+                  <a:pt x="1158892" y="1540300"/>
+                </a:cubicBezTo>
+                <a:cubicBezTo>
+                  <a:pt x="1170302" y="1528890"/>
+                  <a:pt x="1182267" y="1518010"/>
+                  <a:pt x="1193121" y="1506071"/>
+                </a:cubicBezTo>
+                <a:cubicBezTo>
+                  <a:pt x="1221114" y="1475279"/>
+                  <a:pt x="1193945" y="1495741"/>
+                  <a:pt x="1222460" y="1476732"/>
+                </a:cubicBezTo>
+                <a:cubicBezTo>
+                  <a:pt x="1228014" y="1468400"/>
+                  <a:pt x="1240842" y="1448571"/>
+                  <a:pt x="1246910" y="1442503"/>
+                </a:cubicBezTo>
+                <a:cubicBezTo>
+                  <a:pt x="1254290" y="1435123"/>
+                  <a:pt x="1263209" y="1429463"/>
+                  <a:pt x="1271359" y="1422943"/>
+                </a:cubicBezTo>
+                <a:cubicBezTo>
+                  <a:pt x="1274619" y="1416423"/>
+                  <a:pt x="1277275" y="1409565"/>
+                  <a:pt x="1281138" y="1403384"/>
+                </a:cubicBezTo>
+                <a:cubicBezTo>
+                  <a:pt x="1285457" y="1396473"/>
+                  <a:pt x="1291134" y="1390501"/>
+                  <a:pt x="1295808" y="1383825"/>
+                </a:cubicBezTo>
+                <a:cubicBezTo>
+                  <a:pt x="1302548" y="1374196"/>
+                  <a:pt x="1309057" y="1364402"/>
+                  <a:pt x="1315367" y="1354486"/>
+                </a:cubicBezTo>
+                <a:cubicBezTo>
+                  <a:pt x="1320470" y="1346468"/>
+                  <a:pt x="1324335" y="1337640"/>
+                  <a:pt x="1330037" y="1330037"/>
+                </a:cubicBezTo>
+                <a:cubicBezTo>
+                  <a:pt x="1363099" y="1285954"/>
+                  <a:pt x="1323327" y="1361442"/>
+                  <a:pt x="1374045" y="1281138"/>
+                </a:cubicBezTo>
+                <a:cubicBezTo>
+                  <a:pt x="1385722" y="1262649"/>
+                  <a:pt x="1387920" y="1237922"/>
+                  <a:pt x="1403384" y="1222460"/>
+                </a:cubicBezTo>
+                <a:cubicBezTo>
+                  <a:pt x="1424847" y="1200998"/>
+                  <a:pt x="1432770" y="1195448"/>
+                  <a:pt x="1447393" y="1158892"/>
+                </a:cubicBezTo>
+                <a:cubicBezTo>
+                  <a:pt x="1450653" y="1150742"/>
+                  <a:pt x="1452910" y="1142116"/>
+                  <a:pt x="1457173" y="1134443"/>
+                </a:cubicBezTo>
+                <a:cubicBezTo>
+                  <a:pt x="1468250" y="1114504"/>
+                  <a:pt x="1472455" y="1118548"/>
+                  <a:pt x="1481622" y="1100214"/>
+                </a:cubicBezTo>
+                <a:cubicBezTo>
+                  <a:pt x="1483927" y="1095604"/>
+                  <a:pt x="1484482" y="1090282"/>
+                  <a:pt x="1486512" y="1085545"/>
+                </a:cubicBezTo>
+                <a:cubicBezTo>
+                  <a:pt x="1490734" y="1075693"/>
+                  <a:pt x="1498846" y="1059986"/>
+                  <a:pt x="1506071" y="1051316"/>
+                </a:cubicBezTo>
+                <a:cubicBezTo>
+                  <a:pt x="1510498" y="1046003"/>
+                  <a:pt x="1515851" y="1041536"/>
+                  <a:pt x="1520741" y="1036646"/>
+                </a:cubicBezTo>
+                <a:cubicBezTo>
+                  <a:pt x="1524001" y="1028496"/>
+                  <a:pt x="1526359" y="1019925"/>
+                  <a:pt x="1530520" y="1012197"/>
+                </a:cubicBezTo>
+                <a:cubicBezTo>
+                  <a:pt x="1537810" y="998658"/>
+                  <a:pt x="1554969" y="973078"/>
+                  <a:pt x="1554969" y="973078"/>
+                </a:cubicBezTo>
+                <a:cubicBezTo>
+                  <a:pt x="1558229" y="961668"/>
+                  <a:pt x="1559731" y="949602"/>
+                  <a:pt x="1564749" y="938849"/>
+                </a:cubicBezTo>
+                <a:cubicBezTo>
+                  <a:pt x="1571252" y="924915"/>
+                  <a:pt x="1581569" y="913082"/>
+                  <a:pt x="1589198" y="899731"/>
+                </a:cubicBezTo>
+                <a:cubicBezTo>
+                  <a:pt x="1595718" y="888321"/>
+                  <a:pt x="1603251" y="877434"/>
+                  <a:pt x="1608758" y="865502"/>
+                </a:cubicBezTo>
+                <a:cubicBezTo>
+                  <a:pt x="1613078" y="856142"/>
+                  <a:pt x="1613927" y="845383"/>
+                  <a:pt x="1618537" y="836163"/>
+                </a:cubicBezTo>
+                <a:cubicBezTo>
+                  <a:pt x="1621797" y="829643"/>
+                  <a:pt x="1625445" y="823303"/>
+                  <a:pt x="1628317" y="816603"/>
+                </a:cubicBezTo>
+                <a:cubicBezTo>
+                  <a:pt x="1630347" y="811866"/>
+                  <a:pt x="1629987" y="805959"/>
+                  <a:pt x="1633207" y="801934"/>
+                </a:cubicBezTo>
+                <a:cubicBezTo>
+                  <a:pt x="1636878" y="797345"/>
+                  <a:pt x="1642986" y="795414"/>
+                  <a:pt x="1647876" y="792154"/>
+                </a:cubicBezTo>
+                <a:cubicBezTo>
+                  <a:pt x="1649506" y="787264"/>
+                  <a:pt x="1651350" y="782441"/>
+                  <a:pt x="1652766" y="777485"/>
+                </a:cubicBezTo>
+                <a:cubicBezTo>
+                  <a:pt x="1654612" y="771023"/>
+                  <a:pt x="1654650" y="763936"/>
+                  <a:pt x="1657656" y="757925"/>
+                </a:cubicBezTo>
+                <a:cubicBezTo>
+                  <a:pt x="1664533" y="744172"/>
+                  <a:pt x="1674476" y="732158"/>
+                  <a:pt x="1682105" y="718807"/>
+                </a:cubicBezTo>
+                <a:cubicBezTo>
+                  <a:pt x="1688625" y="707397"/>
+                  <a:pt x="1694904" y="695847"/>
+                  <a:pt x="1701665" y="684578"/>
+                </a:cubicBezTo>
+                <a:cubicBezTo>
+                  <a:pt x="1704689" y="679539"/>
+                  <a:pt x="1708816" y="675164"/>
+                  <a:pt x="1711444" y="669908"/>
+                </a:cubicBezTo>
+                <a:cubicBezTo>
+                  <a:pt x="1713749" y="665298"/>
+                  <a:pt x="1713777" y="659714"/>
+                  <a:pt x="1716334" y="655239"/>
+                </a:cubicBezTo>
+                <a:cubicBezTo>
+                  <a:pt x="1720378" y="648163"/>
+                  <a:pt x="1726483" y="642460"/>
+                  <a:pt x="1731004" y="635679"/>
+                </a:cubicBezTo>
+                <a:cubicBezTo>
+                  <a:pt x="1736276" y="627771"/>
+                  <a:pt x="1741057" y="619538"/>
+                  <a:pt x="1745673" y="611230"/>
+                </a:cubicBezTo>
+                <a:cubicBezTo>
+                  <a:pt x="1758395" y="588331"/>
+                  <a:pt x="1770674" y="552140"/>
+                  <a:pt x="1789682" y="537883"/>
+                </a:cubicBezTo>
+                <a:cubicBezTo>
+                  <a:pt x="1806010" y="525637"/>
+                  <a:pt x="1810441" y="525703"/>
+                  <a:pt x="1819021" y="508543"/>
+                </a:cubicBezTo>
+                <a:cubicBezTo>
+                  <a:pt x="1822946" y="500692"/>
+                  <a:pt x="1823534" y="491116"/>
+                  <a:pt x="1828800" y="484094"/>
+                </a:cubicBezTo>
+                <a:cubicBezTo>
+                  <a:pt x="1838481" y="471185"/>
+                  <a:pt x="1863029" y="449865"/>
+                  <a:pt x="1863029" y="449865"/>
+                </a:cubicBezTo>
+                <a:cubicBezTo>
+                  <a:pt x="1876396" y="409768"/>
+                  <a:pt x="1854327" y="468682"/>
+                  <a:pt x="1887479" y="415637"/>
+                </a:cubicBezTo>
+                <a:cubicBezTo>
+                  <a:pt x="1891041" y="409938"/>
+                  <a:pt x="1890071" y="402393"/>
+                  <a:pt x="1892368" y="396077"/>
+                </a:cubicBezTo>
+                <a:cubicBezTo>
+                  <a:pt x="1896610" y="384411"/>
+                  <a:pt x="1900783" y="372570"/>
+                  <a:pt x="1907038" y="361848"/>
+                </a:cubicBezTo>
+                <a:cubicBezTo>
+                  <a:pt x="1915398" y="347517"/>
+                  <a:pt x="1929500" y="334496"/>
+                  <a:pt x="1941267" y="322730"/>
+                </a:cubicBezTo>
+                <a:cubicBezTo>
+                  <a:pt x="1944527" y="316210"/>
+                  <a:pt x="1948175" y="309870"/>
+                  <a:pt x="1951046" y="303170"/>
+                </a:cubicBezTo>
+                <a:cubicBezTo>
+                  <a:pt x="1953076" y="298433"/>
+                  <a:pt x="1953379" y="292976"/>
+                  <a:pt x="1955936" y="288501"/>
+                </a:cubicBezTo>
+                <a:cubicBezTo>
+                  <a:pt x="1959980" y="281425"/>
+                  <a:pt x="1965869" y="275573"/>
+                  <a:pt x="1970606" y="268941"/>
+                </a:cubicBezTo>
+                <a:cubicBezTo>
+                  <a:pt x="1982170" y="252751"/>
+                  <a:pt x="1990767" y="234112"/>
+                  <a:pt x="2004835" y="220043"/>
+                </a:cubicBezTo>
+                <a:cubicBezTo>
+                  <a:pt x="2009725" y="215153"/>
+                  <a:pt x="2015538" y="211038"/>
+                  <a:pt x="2019504" y="205373"/>
+                </a:cubicBezTo>
+                <a:cubicBezTo>
+                  <a:pt x="2038430" y="178335"/>
+                  <a:pt x="2053489" y="148649"/>
+                  <a:pt x="2073292" y="122246"/>
+                </a:cubicBezTo>
+                <a:cubicBezTo>
+                  <a:pt x="2078182" y="115726"/>
+                  <a:pt x="2082480" y="108717"/>
+                  <a:pt x="2087962" y="102687"/>
+                </a:cubicBezTo>
+                <a:cubicBezTo>
+                  <a:pt x="2098816" y="90748"/>
+                  <a:pt x="2111397" y="80452"/>
+                  <a:pt x="2122191" y="68458"/>
+                </a:cubicBezTo>
+                <a:cubicBezTo>
+                  <a:pt x="2126123" y="64090"/>
+                  <a:pt x="2127815" y="57944"/>
+                  <a:pt x="2131971" y="53788"/>
+                </a:cubicBezTo>
+                <a:cubicBezTo>
+                  <a:pt x="2148140" y="37619"/>
+                  <a:pt x="2157362" y="38411"/>
+                  <a:pt x="2175979" y="24449"/>
+                </a:cubicBezTo>
+                <a:cubicBezTo>
+                  <a:pt x="2181511" y="20300"/>
+                  <a:pt x="2184645" y="13211"/>
+                  <a:pt x="2190649" y="9780"/>
+                </a:cubicBezTo>
+                <a:cubicBezTo>
+                  <a:pt x="2194368" y="7655"/>
+                  <a:pt x="2233179" y="296"/>
+                  <a:pt x="2234657" y="0"/>
+                </a:cubicBezTo>
+                <a:cubicBezTo>
+                  <a:pt x="2308005" y="1630"/>
+                  <a:pt x="2381447" y="820"/>
+                  <a:pt x="2454700" y="4890"/>
+                </a:cubicBezTo>
+                <a:cubicBezTo>
+                  <a:pt x="2469704" y="5724"/>
+                  <a:pt x="2484129" y="11025"/>
+                  <a:pt x="2498708" y="14670"/>
+                </a:cubicBezTo>
+                <a:cubicBezTo>
+                  <a:pt x="2571073" y="32761"/>
+                  <a:pt x="2500187" y="17899"/>
+                  <a:pt x="2557387" y="29339"/>
+                </a:cubicBezTo>
+                <a:cubicBezTo>
+                  <a:pt x="2594354" y="66308"/>
+                  <a:pt x="2544256" y="19300"/>
+                  <a:pt x="2630734" y="73348"/>
+                </a:cubicBezTo>
+                <a:lnTo>
+                  <a:pt x="2669853" y="97797"/>
+                </a:lnTo>
+                <a:cubicBezTo>
+                  <a:pt x="2691276" y="129929"/>
+                  <a:pt x="2666360" y="96632"/>
+                  <a:pt x="2694302" y="122246"/>
+                </a:cubicBezTo>
+                <a:cubicBezTo>
+                  <a:pt x="2709595" y="136265"/>
+                  <a:pt x="2725351" y="150055"/>
+                  <a:pt x="2738311" y="166255"/>
+                </a:cubicBezTo>
+                <a:cubicBezTo>
+                  <a:pt x="2744831" y="174405"/>
+                  <a:pt x="2752226" y="181925"/>
+                  <a:pt x="2757870" y="190704"/>
+                </a:cubicBezTo>
+                <a:cubicBezTo>
+                  <a:pt x="2766945" y="204820"/>
+                  <a:pt x="2772565" y="221057"/>
+                  <a:pt x="2782319" y="234712"/>
+                </a:cubicBezTo>
+                <a:cubicBezTo>
+                  <a:pt x="2789018" y="244091"/>
+                  <a:pt x="2798618" y="251012"/>
+                  <a:pt x="2806768" y="259162"/>
+                </a:cubicBezTo>
+                <a:cubicBezTo>
+                  <a:pt x="2810028" y="267312"/>
+                  <a:pt x="2813772" y="275284"/>
+                  <a:pt x="2816548" y="283611"/>
+                </a:cubicBezTo>
+                <a:cubicBezTo>
+                  <a:pt x="2818673" y="289986"/>
+                  <a:pt x="2818791" y="296993"/>
+                  <a:pt x="2821438" y="303170"/>
+                </a:cubicBezTo>
+                <a:cubicBezTo>
+                  <a:pt x="2823753" y="308572"/>
+                  <a:pt x="2828138" y="312835"/>
+                  <a:pt x="2831218" y="317840"/>
+                </a:cubicBezTo>
+                <a:cubicBezTo>
+                  <a:pt x="2869783" y="380508"/>
+                  <a:pt x="2846565" y="349248"/>
+                  <a:pt x="2880116" y="391187"/>
+                </a:cubicBezTo>
+                <a:cubicBezTo>
+                  <a:pt x="2887129" y="412227"/>
+                  <a:pt x="2885531" y="409737"/>
+                  <a:pt x="2899675" y="435196"/>
+                </a:cubicBezTo>
+                <a:cubicBezTo>
+                  <a:pt x="2902529" y="440333"/>
+                  <a:pt x="2906601" y="444728"/>
+                  <a:pt x="2909455" y="449865"/>
+                </a:cubicBezTo>
+                <a:cubicBezTo>
+                  <a:pt x="2914765" y="459423"/>
+                  <a:pt x="2918500" y="469828"/>
+                  <a:pt x="2924125" y="479204"/>
+                </a:cubicBezTo>
+                <a:cubicBezTo>
+                  <a:pt x="2944544" y="513236"/>
+                  <a:pt x="2931673" y="485416"/>
+                  <a:pt x="2953464" y="513433"/>
+                </a:cubicBezTo>
+                <a:cubicBezTo>
+                  <a:pt x="2960680" y="522711"/>
+                  <a:pt x="2966110" y="533266"/>
+                  <a:pt x="2973023" y="542772"/>
+                </a:cubicBezTo>
+                <a:cubicBezTo>
+                  <a:pt x="2979162" y="551213"/>
+                  <a:pt x="2985709" y="559367"/>
+                  <a:pt x="2992582" y="567222"/>
+                </a:cubicBezTo>
+                <a:cubicBezTo>
+                  <a:pt x="2997136" y="572426"/>
+                  <a:pt x="3003103" y="576359"/>
+                  <a:pt x="3007252" y="581891"/>
+                </a:cubicBezTo>
+                <a:cubicBezTo>
+                  <a:pt x="3012954" y="589494"/>
+                  <a:pt x="3015663" y="599188"/>
+                  <a:pt x="3021921" y="606340"/>
+                </a:cubicBezTo>
+                <a:cubicBezTo>
+                  <a:pt x="3027288" y="612474"/>
+                  <a:pt x="3035450" y="615528"/>
+                  <a:pt x="3041481" y="621010"/>
+                </a:cubicBezTo>
+                <a:cubicBezTo>
+                  <a:pt x="3126585" y="698377"/>
+                  <a:pt x="3040624" y="630864"/>
+                  <a:pt x="3095269" y="665018"/>
+                </a:cubicBezTo>
+                <a:cubicBezTo>
+                  <a:pt x="3111955" y="675447"/>
+                  <a:pt x="3115325" y="683749"/>
+                  <a:pt x="3134388" y="689468"/>
+                </a:cubicBezTo>
+                <a:cubicBezTo>
+                  <a:pt x="3143884" y="692317"/>
+                  <a:pt x="3153947" y="692727"/>
+                  <a:pt x="3163727" y="694357"/>
+                </a:cubicBezTo>
+                <a:cubicBezTo>
+                  <a:pt x="3183286" y="692727"/>
+                  <a:pt x="3203077" y="692879"/>
+                  <a:pt x="3222405" y="689468"/>
+                </a:cubicBezTo>
+                <a:cubicBezTo>
+                  <a:pt x="3248556" y="684853"/>
+                  <a:pt x="3242065" y="679637"/>
+                  <a:pt x="3261523" y="669908"/>
+                </a:cubicBezTo>
+                <a:cubicBezTo>
+                  <a:pt x="3266133" y="667603"/>
+                  <a:pt x="3271303" y="666648"/>
+                  <a:pt x="3276193" y="665018"/>
+                </a:cubicBezTo>
+                <a:cubicBezTo>
+                  <a:pt x="3282713" y="655238"/>
+                  <a:pt x="3290495" y="646192"/>
+                  <a:pt x="3295752" y="635679"/>
+                </a:cubicBezTo>
+                <a:cubicBezTo>
+                  <a:pt x="3308160" y="610863"/>
+                  <a:pt x="3301489" y="622185"/>
+                  <a:pt x="3315312" y="601450"/>
+                </a:cubicBezTo>
+                <a:cubicBezTo>
+                  <a:pt x="3330145" y="482779"/>
+                  <a:pt x="3325091" y="549495"/>
+                  <a:pt x="3325091" y="400967"/>
+                </a:cubicBezTo>
+              </a:path>
+            </a:pathLst>
+          </a:custGeom>
+          <a:noFill/>
+        </p:spPr>
+        <p:style>
+          <a:lnRef idx="2">
+            <a:schemeClr val="accent1">
+              <a:shade val="50000"/>
+            </a:schemeClr>
+          </a:lnRef>
+          <a:fillRef idx="1">
+            <a:schemeClr val="accent1"/>
+          </a:fillRef>
+          <a:effectRef idx="0">
+            <a:schemeClr val="accent1"/>
+          </a:effectRef>
+          <a:fontRef idx="minor">
+            <a:schemeClr val="lt1"/>
+          </a:fontRef>
+        </p:style>
+        <p:txBody>
+          <a:bodyPr rtlCol="0" anchor="ctr"/>
+          <a:lstStyle/>
+          <a:p>
+            <a:pPr algn="ctr"/>
+            <a:endParaRPr lang="ko-KR" altLang="en-US"/>
+          </a:p>
+        </p:txBody>
+      </p:sp>
+      <p:pic>
+        <p:nvPicPr>
+          <p:cNvPr id="1028" name="Picture 4"/>
+          <p:cNvPicPr>
+            <a:picLocks noChangeAspect="1" noChangeArrowheads="1"/>
+          </p:cNvPicPr>
+          <p:nvPr/>
+        </p:nvPicPr>
+        <p:blipFill>
+          <a:blip r:embed="rId3">
+            <a:extLst>
+              <a:ext uri="{28A0092B-C50C-407E-A947-70E740481C1C}">
+                <a14:useLocalDpi xmlns:a14="http://schemas.microsoft.com/office/drawing/2010/main" val="0"/>
+              </a:ext>
+            </a:extLst>
+          </a:blip>
+          <a:srcRect/>
+          <a:stretch>
+            <a:fillRect/>
+          </a:stretch>
+        </p:blipFill>
+        <p:spPr bwMode="auto">
+          <a:xfrm>
+            <a:off x="4077072" y="3080792"/>
+            <a:ext cx="904875" cy="714375"/>
+          </a:xfrm>
+          <a:prstGeom prst="rect">
+            <a:avLst/>
+          </a:prstGeom>
+          <a:noFill/>
+          <a:ln>
+            <a:noFill/>
+          </a:ln>
+          <a:extLst>
+            <a:ext uri="{909E8E84-426E-40DD-AFC4-6F175D3DCCD1}">
+              <a14:hiddenFill xmlns:a14="http://schemas.microsoft.com/office/drawing/2010/main">
+                <a:solidFill>
+                  <a:schemeClr val="accent1"/>
+                </a:solidFill>
+              </a14:hiddenFill>
+            </a:ext>
+            <a:ext uri="{91240B29-F687-4F45-9708-019B960494DF}">
+              <a14:hiddenLine xmlns:a14="http://schemas.microsoft.com/office/drawing/2010/main" w="9525">
+                <a:solidFill>
+                  <a:schemeClr val="tx1"/>
+                </a:solidFill>
+                <a:miter lim="800000"/>
+                <a:headEnd/>
+                <a:tailEnd/>
+              </a14:hiddenLine>
+            </a:ext>
+          </a:extLst>
+        </p:spPr>
+      </p:pic>
+      <p:sp>
+        <p:nvSpPr>
+          <p:cNvPr id="8" name="모서리가 둥근 직사각형 7"/>
+          <p:cNvSpPr/>
+          <p:nvPr/>
+        </p:nvSpPr>
+        <p:spPr>
+          <a:xfrm>
+            <a:off x="332656" y="3008784"/>
+            <a:ext cx="1440160" cy="432048"/>
+          </a:xfrm>
+          <a:prstGeom prst="roundRect">
+            <a:avLst/>
+          </a:prstGeom>
+          <a:ln>
+            <a:solidFill>
+              <a:srgbClr val="008080"/>
+            </a:solidFill>
+          </a:ln>
+        </p:spPr>
+        <p:style>
+          <a:lnRef idx="2">
+            <a:schemeClr val="accent6"/>
+          </a:lnRef>
+          <a:fillRef idx="1">
+            <a:schemeClr val="lt1"/>
+          </a:fillRef>
+          <a:effectRef idx="0">
+            <a:schemeClr val="accent6"/>
+          </a:effectRef>
+          <a:fontRef idx="minor">
+            <a:schemeClr val="dk1"/>
+          </a:fontRef>
+        </p:style>
+        <p:txBody>
+          <a:bodyPr rtlCol="0" anchor="ctr"/>
+          <a:lstStyle/>
+          <a:p>
+            <a:pPr algn="ctr"/>
+            <a:r>
+              <a:rPr lang="ko-KR" altLang="en-US" sz="1200" dirty="0" smtClean="0"/>
+              <a:t>파일업로</a:t>
+            </a:r>
+            <a:r>
+              <a:rPr lang="ko-KR" altLang="en-US" sz="1200" dirty="0"/>
+              <a:t>드</a:t>
+            </a:r>
+          </a:p>
+        </p:txBody>
+      </p:sp>
+      <p:sp>
+        <p:nvSpPr>
+          <p:cNvPr id="12" name="모서리가 둥근 직사각형 11"/>
+          <p:cNvSpPr/>
+          <p:nvPr/>
+        </p:nvSpPr>
+        <p:spPr>
+          <a:xfrm>
+            <a:off x="4869160" y="3720238"/>
+            <a:ext cx="1440160" cy="432048"/>
+          </a:xfrm>
+          <a:prstGeom prst="roundRect">
+            <a:avLst/>
+          </a:prstGeom>
+          <a:ln>
+            <a:solidFill>
+              <a:srgbClr val="008080"/>
+            </a:solidFill>
+          </a:ln>
+        </p:spPr>
+        <p:style>
+          <a:lnRef idx="2">
+            <a:schemeClr val="accent6"/>
+          </a:lnRef>
+          <a:fillRef idx="1">
+            <a:schemeClr val="lt1"/>
+          </a:fillRef>
+          <a:effectRef idx="0">
+            <a:schemeClr val="accent6"/>
+          </a:effectRef>
+          <a:fontRef idx="minor">
+            <a:schemeClr val="dk1"/>
+          </a:fontRef>
+        </p:style>
+        <p:txBody>
+          <a:bodyPr rtlCol="0" anchor="ctr"/>
+          <a:lstStyle/>
+          <a:p>
+            <a:pPr algn="ctr"/>
+            <a:r>
+              <a:rPr lang="ko-KR" altLang="en-US" sz="1200" dirty="0" smtClean="0"/>
+              <a:t>신청내역</a:t>
+            </a:r>
+            <a:endParaRPr lang="ko-KR" altLang="en-US" sz="1200" dirty="0"/>
+          </a:p>
+        </p:txBody>
+      </p:sp>
+    </p:spTree>
+    <p:extLst>
+      <p:ext uri="{BB962C8B-B14F-4D97-AF65-F5344CB8AC3E}">
+        <p14:creationId xmlns:p14="http://schemas.microsoft.com/office/powerpoint/2010/main" val="2643755278"/>
+      </p:ext>
+    </p:extLst>
+  </p:cSld>
+  <p:clrMapOvr>
+    <a:masterClrMapping/>
+  </p:clrMapOvr>
+  <p:timing>
+    <p:tnLst>
+      <p:par>
+        <p:cTn id="1" dur="indefinite" restart="never" nodeType="tmRoot"/>
+      </p:par>
+    </p:tnLst>
+  </p:timing>
+</p:sld>
+</file>
+
 <file path=ppt/theme/theme1.xml><?xml version="1.0" encoding="utf-8"?>
 <a:theme xmlns:a="http://schemas.openxmlformats.org/drawingml/2006/main" name="Office 테마">
   <a:themeElements>
